--- a/lecture-slides/2020-01-16-oop.pptx
+++ b/lecture-slides/2020-01-16-oop.pptx
@@ -1374,7 +1374,10 @@
           <a:bodyPr/>
           <a:lstStyle/>
           <a:p>
-            <a:endParaRPr lang="en-US" sz="1000" dirty="0"/>
+            <a:r>
+              <a:rPr lang="en-US" sz="1000" dirty="0"/>
+              <a:t>Thank you, Henry, (Palmer)</a:t>
+            </a:r>
           </a:p>
         </p:txBody>
       </p:sp>
@@ -4869,7 +4872,7 @@
         </p:spPr>
         <p:txBody>
           <a:bodyPr>
-            <a:normAutofit fontScale="92500" lnSpcReduction="20000"/>
+            <a:normAutofit lnSpcReduction="10000"/>
           </a:bodyPr>
           <a:lstStyle/>
           <a:p>
@@ -4896,7 +4899,7 @@
             </a:pPr>
             <a:r>
               <a:rPr lang="en-US" sz="2200" dirty="0"/>
-              <a:t>Assignment </a:t>
+              <a:t>Assignment</a:t>
             </a:r>
           </a:p>
           <a:p>
@@ -4926,7 +4929,7 @@
             </a:pPr>
             <a:r>
               <a:rPr lang="en-US" sz="2200" dirty="0"/>
-              <a:t>Introductions*</a:t>
+              <a:t>Sprint Planning</a:t>
             </a:r>
           </a:p>
           <a:p>
@@ -4936,7 +4939,7 @@
             </a:pPr>
             <a:r>
               <a:rPr lang="en-US" sz="2200" dirty="0"/>
-              <a:t>Course Overview</a:t>
+              <a:t>Office 365 Challenge</a:t>
             </a:r>
           </a:p>
           <a:p>
@@ -4946,7 +4949,7 @@
             </a:pPr>
             <a:r>
               <a:rPr lang="en-US" sz="2200" dirty="0"/>
-              <a:t>Review Course Syllabus</a:t>
+              <a:t>Assignment for Next Class</a:t>
             </a:r>
           </a:p>
           <a:p>
@@ -4956,27 +4959,7 @@
             </a:pPr>
             <a:r>
               <a:rPr lang="en-US" sz="2200" dirty="0"/>
-              <a:t>Assignments for Next Class</a:t>
-            </a:r>
-          </a:p>
-          <a:p>
-            <a:pPr marL="457200" indent="-457200">
-              <a:buFont typeface="+mj-lt"/>
-              <a:buAutoNum type="arabicPeriod"/>
-            </a:pPr>
-            <a:r>
-              <a:rPr lang="en-US" sz="2200" dirty="0"/>
-              <a:t>Preview Week 1 / Sprint 1 Activities &amp; Assignments</a:t>
-            </a:r>
-          </a:p>
-          <a:p>
-            <a:pPr marL="457200" indent="-457200">
-              <a:buFont typeface="+mj-lt"/>
-              <a:buAutoNum type="arabicPeriod"/>
-            </a:pPr>
-            <a:r>
-              <a:rPr lang="en-US" sz="2200" dirty="0"/>
-              <a:t>Lab… starting no later than 2:45pm CT</a:t>
+              <a:t>Lab</a:t>
             </a:r>
           </a:p>
           <a:p>
